--- a/Présentation1.pptx
+++ b/Présentation1.pptx
@@ -259,7 +259,7 @@
           <a:p>
             <a:fld id="{402888EA-64F2-4B9D-894F-33FE4873F6A7}" type="datetimeFigureOut">
               <a:rPr lang="fr-FR" smtClean="0"/>
-              <a:t>27/02/2020</a:t>
+              <a:t>28/03/2020</a:t>
             </a:fld>
             <a:endParaRPr lang="fr-FR"/>
           </a:p>
@@ -457,7 +457,7 @@
           <a:p>
             <a:fld id="{402888EA-64F2-4B9D-894F-33FE4873F6A7}" type="datetimeFigureOut">
               <a:rPr lang="fr-FR" smtClean="0"/>
-              <a:t>27/02/2020</a:t>
+              <a:t>28/03/2020</a:t>
             </a:fld>
             <a:endParaRPr lang="fr-FR"/>
           </a:p>
@@ -665,7 +665,7 @@
           <a:p>
             <a:fld id="{402888EA-64F2-4B9D-894F-33FE4873F6A7}" type="datetimeFigureOut">
               <a:rPr lang="fr-FR" smtClean="0"/>
-              <a:t>27/02/2020</a:t>
+              <a:t>28/03/2020</a:t>
             </a:fld>
             <a:endParaRPr lang="fr-FR"/>
           </a:p>
@@ -863,7 +863,7 @@
           <a:p>
             <a:fld id="{402888EA-64F2-4B9D-894F-33FE4873F6A7}" type="datetimeFigureOut">
               <a:rPr lang="fr-FR" smtClean="0"/>
-              <a:t>27/02/2020</a:t>
+              <a:t>28/03/2020</a:t>
             </a:fld>
             <a:endParaRPr lang="fr-FR"/>
           </a:p>
@@ -1138,7 +1138,7 @@
           <a:p>
             <a:fld id="{402888EA-64F2-4B9D-894F-33FE4873F6A7}" type="datetimeFigureOut">
               <a:rPr lang="fr-FR" smtClean="0"/>
-              <a:t>27/02/2020</a:t>
+              <a:t>28/03/2020</a:t>
             </a:fld>
             <a:endParaRPr lang="fr-FR"/>
           </a:p>
@@ -1403,7 +1403,7 @@
           <a:p>
             <a:fld id="{402888EA-64F2-4B9D-894F-33FE4873F6A7}" type="datetimeFigureOut">
               <a:rPr lang="fr-FR" smtClean="0"/>
-              <a:t>27/02/2020</a:t>
+              <a:t>28/03/2020</a:t>
             </a:fld>
             <a:endParaRPr lang="fr-FR"/>
           </a:p>
@@ -1815,7 +1815,7 @@
           <a:p>
             <a:fld id="{402888EA-64F2-4B9D-894F-33FE4873F6A7}" type="datetimeFigureOut">
               <a:rPr lang="fr-FR" smtClean="0"/>
-              <a:t>27/02/2020</a:t>
+              <a:t>28/03/2020</a:t>
             </a:fld>
             <a:endParaRPr lang="fr-FR"/>
           </a:p>
@@ -1956,7 +1956,7 @@
           <a:p>
             <a:fld id="{402888EA-64F2-4B9D-894F-33FE4873F6A7}" type="datetimeFigureOut">
               <a:rPr lang="fr-FR" smtClean="0"/>
-              <a:t>27/02/2020</a:t>
+              <a:t>28/03/2020</a:t>
             </a:fld>
             <a:endParaRPr lang="fr-FR"/>
           </a:p>
@@ -2069,7 +2069,7 @@
           <a:p>
             <a:fld id="{402888EA-64F2-4B9D-894F-33FE4873F6A7}" type="datetimeFigureOut">
               <a:rPr lang="fr-FR" smtClean="0"/>
-              <a:t>27/02/2020</a:t>
+              <a:t>28/03/2020</a:t>
             </a:fld>
             <a:endParaRPr lang="fr-FR"/>
           </a:p>
@@ -2380,7 +2380,7 @@
           <a:p>
             <a:fld id="{402888EA-64F2-4B9D-894F-33FE4873F6A7}" type="datetimeFigureOut">
               <a:rPr lang="fr-FR" smtClean="0"/>
-              <a:t>27/02/2020</a:t>
+              <a:t>28/03/2020</a:t>
             </a:fld>
             <a:endParaRPr lang="fr-FR"/>
           </a:p>
@@ -2668,7 +2668,7 @@
           <a:p>
             <a:fld id="{402888EA-64F2-4B9D-894F-33FE4873F6A7}" type="datetimeFigureOut">
               <a:rPr lang="fr-FR" smtClean="0"/>
-              <a:t>27/02/2020</a:t>
+              <a:t>28/03/2020</a:t>
             </a:fld>
             <a:endParaRPr lang="fr-FR"/>
           </a:p>
@@ -2909,7 +2909,7 @@
           <a:p>
             <a:fld id="{402888EA-64F2-4B9D-894F-33FE4873F6A7}" type="datetimeFigureOut">
               <a:rPr lang="fr-FR" smtClean="0"/>
-              <a:t>27/02/2020</a:t>
+              <a:t>28/03/2020</a:t>
             </a:fld>
             <a:endParaRPr lang="fr-FR"/>
           </a:p>
@@ -5844,10 +5844,10 @@
       </p:pic>
       <p:pic>
         <p:nvPicPr>
-          <p:cNvPr id="18" name="Picture 4" descr="Image result for logo icon cliffs">
-            <a:extLst>
-              <a:ext uri="{FF2B5EF4-FFF2-40B4-BE49-F238E27FC236}">
-                <a16:creationId xmlns:a16="http://schemas.microsoft.com/office/drawing/2014/main" id="{E8CB10BE-C21C-4923-932D-2FE24C70D2B8}"/>
+          <p:cNvPr id="21" name="Picture 4" descr="Image result for logo icon cliffs">
+            <a:extLst>
+              <a:ext uri="{FF2B5EF4-FFF2-40B4-BE49-F238E27FC236}">
+                <a16:creationId xmlns:a16="http://schemas.microsoft.com/office/drawing/2014/main" id="{49E7D133-539A-4D89-B69B-088F76BEEC69}"/>
               </a:ext>
             </a:extLst>
           </p:cNvPr>
@@ -5869,97 +5869,7 @@
         </p:blipFill>
         <p:spPr bwMode="auto">
           <a:xfrm>
-            <a:off x="2522737" y="4724889"/>
-            <a:ext cx="523784" cy="494685"/>
-          </a:xfrm>
-          <a:prstGeom prst="rect">
-            <a:avLst/>
-          </a:prstGeom>
-          <a:noFill/>
-          <a:extLst>
-            <a:ext uri="{909E8E84-426E-40DD-AFC4-6F175D3DCCD1}">
-              <a14:hiddenFill xmlns:a14="http://schemas.microsoft.com/office/drawing/2010/main">
-                <a:solidFill>
-                  <a:srgbClr val="FFFFFF"/>
-                </a:solidFill>
-              </a14:hiddenFill>
-            </a:ext>
-          </a:extLst>
-        </p:spPr>
-      </p:pic>
-      <p:pic>
-        <p:nvPicPr>
-          <p:cNvPr id="21" name="Picture 4" descr="Image result for logo icon cliffs">
-            <a:extLst>
-              <a:ext uri="{FF2B5EF4-FFF2-40B4-BE49-F238E27FC236}">
-                <a16:creationId xmlns:a16="http://schemas.microsoft.com/office/drawing/2014/main" id="{49E7D133-539A-4D89-B69B-088F76BEEC69}"/>
-              </a:ext>
-            </a:extLst>
-          </p:cNvPr>
-          <p:cNvPicPr>
-            <a:picLocks noChangeAspect="1" noChangeArrowheads="1"/>
-          </p:cNvPicPr>
-          <p:nvPr/>
-        </p:nvPicPr>
-        <p:blipFill rotWithShape="1">
-          <a:blip r:embed="rId2">
-            <a:extLst>
-              <a:ext uri="{28A0092B-C50C-407E-A947-70E740481C1C}">
-                <a14:useLocalDpi xmlns:a14="http://schemas.microsoft.com/office/drawing/2010/main" val="0"/>
-              </a:ext>
-            </a:extLst>
-          </a:blip>
-          <a:srcRect l="21610" t="17847" r="20203" b="27199"/>
-          <a:stretch/>
-        </p:blipFill>
-        <p:spPr bwMode="auto">
-          <a:xfrm>
             <a:off x="1917576" y="5269882"/>
-            <a:ext cx="523784" cy="494685"/>
-          </a:xfrm>
-          <a:prstGeom prst="rect">
-            <a:avLst/>
-          </a:prstGeom>
-          <a:noFill/>
-          <a:extLst>
-            <a:ext uri="{909E8E84-426E-40DD-AFC4-6F175D3DCCD1}">
-              <a14:hiddenFill xmlns:a14="http://schemas.microsoft.com/office/drawing/2010/main">
-                <a:solidFill>
-                  <a:srgbClr val="FFFFFF"/>
-                </a:solidFill>
-              </a14:hiddenFill>
-            </a:ext>
-          </a:extLst>
-        </p:spPr>
-      </p:pic>
-      <p:pic>
-        <p:nvPicPr>
-          <p:cNvPr id="22" name="Picture 4" descr="Image result for logo icon cliffs">
-            <a:extLst>
-              <a:ext uri="{FF2B5EF4-FFF2-40B4-BE49-F238E27FC236}">
-                <a16:creationId xmlns:a16="http://schemas.microsoft.com/office/drawing/2014/main" id="{42DED5DB-67A6-4BE2-B163-19A3ECDE0DE6}"/>
-              </a:ext>
-            </a:extLst>
-          </p:cNvPr>
-          <p:cNvPicPr>
-            <a:picLocks noChangeAspect="1" noChangeArrowheads="1"/>
-          </p:cNvPicPr>
-          <p:nvPr/>
-        </p:nvPicPr>
-        <p:blipFill rotWithShape="1">
-          <a:blip r:embed="rId2">
-            <a:extLst>
-              <a:ext uri="{28A0092B-C50C-407E-A947-70E740481C1C}">
-                <a14:useLocalDpi xmlns:a14="http://schemas.microsoft.com/office/drawing/2010/main" val="0"/>
-              </a:ext>
-            </a:extLst>
-          </a:blip>
-          <a:srcRect l="21610" t="17847" r="20203" b="27199"/>
-          <a:stretch/>
-        </p:blipFill>
-        <p:spPr bwMode="auto">
-          <a:xfrm>
-            <a:off x="2522737" y="5269881"/>
             <a:ext cx="523784" cy="494685"/>
           </a:xfrm>
           <a:prstGeom prst="rect">
@@ -6185,51 +6095,6 @@
         <p:spPr bwMode="auto">
           <a:xfrm>
             <a:off x="7349230" y="685056"/>
-            <a:ext cx="523784" cy="494685"/>
-          </a:xfrm>
-          <a:prstGeom prst="rect">
-            <a:avLst/>
-          </a:prstGeom>
-          <a:noFill/>
-          <a:extLst>
-            <a:ext uri="{909E8E84-426E-40DD-AFC4-6F175D3DCCD1}">
-              <a14:hiddenFill xmlns:a14="http://schemas.microsoft.com/office/drawing/2010/main">
-                <a:solidFill>
-                  <a:srgbClr val="FFFFFF"/>
-                </a:solidFill>
-              </a14:hiddenFill>
-            </a:ext>
-          </a:extLst>
-        </p:spPr>
-      </p:pic>
-      <p:pic>
-        <p:nvPicPr>
-          <p:cNvPr id="37" name="Picture 4" descr="Image result for logo icon cliffs">
-            <a:extLst>
-              <a:ext uri="{FF2B5EF4-FFF2-40B4-BE49-F238E27FC236}">
-                <a16:creationId xmlns:a16="http://schemas.microsoft.com/office/drawing/2014/main" id="{59DCDDA9-D3B5-4779-8899-4F503BB29D4D}"/>
-              </a:ext>
-            </a:extLst>
-          </p:cNvPr>
-          <p:cNvPicPr>
-            <a:picLocks noChangeAspect="1" noChangeArrowheads="1"/>
-          </p:cNvPicPr>
-          <p:nvPr/>
-        </p:nvPicPr>
-        <p:blipFill rotWithShape="1">
-          <a:blip r:embed="rId2">
-            <a:extLst>
-              <a:ext uri="{28A0092B-C50C-407E-A947-70E740481C1C}">
-                <a14:useLocalDpi xmlns:a14="http://schemas.microsoft.com/office/drawing/2010/main" val="0"/>
-              </a:ext>
-            </a:extLst>
-          </a:blip>
-          <a:srcRect l="21610" t="17847" r="20203" b="27199"/>
-          <a:stretch/>
-        </p:blipFill>
-        <p:spPr bwMode="auto">
-          <a:xfrm>
-            <a:off x="6744069" y="99131"/>
             <a:ext cx="523784" cy="494685"/>
           </a:xfrm>
           <a:prstGeom prst="rect">
@@ -7465,7 +7330,7 @@
           <a:p>
             <a:r>
               <a:rPr lang="fr-FR" dirty="0"/>
-              <a:t>: +10</a:t>
+              <a:t>: +3</a:t>
             </a:r>
           </a:p>
           <a:p>
@@ -8198,51 +8063,6 @@
       </p:pic>
       <p:pic>
         <p:nvPicPr>
-          <p:cNvPr id="100" name="Picture 8" descr="Image result for carrot logo icon">
-            <a:extLst>
-              <a:ext uri="{FF2B5EF4-FFF2-40B4-BE49-F238E27FC236}">
-                <a16:creationId xmlns:a16="http://schemas.microsoft.com/office/drawing/2014/main" id="{BB47FDBC-C30F-4863-9827-7A17BA6F1F29}"/>
-              </a:ext>
-            </a:extLst>
-          </p:cNvPr>
-          <p:cNvPicPr>
-            <a:picLocks noChangeAspect="1" noChangeArrowheads="1"/>
-          </p:cNvPicPr>
-          <p:nvPr/>
-        </p:nvPicPr>
-        <p:blipFill rotWithShape="1">
-          <a:blip r:embed="rId7">
-            <a:extLst>
-              <a:ext uri="{28A0092B-C50C-407E-A947-70E740481C1C}">
-                <a14:useLocalDpi xmlns:a14="http://schemas.microsoft.com/office/drawing/2010/main" val="0"/>
-              </a:ext>
-            </a:extLst>
-          </a:blip>
-          <a:srcRect l="25405" t="3758" r="29224" b="9989"/>
-          <a:stretch/>
-        </p:blipFill>
-        <p:spPr bwMode="auto">
-          <a:xfrm>
-            <a:off x="8684058" y="707870"/>
-            <a:ext cx="237291" cy="482358"/>
-          </a:xfrm>
-          <a:prstGeom prst="rect">
-            <a:avLst/>
-          </a:prstGeom>
-          <a:noFill/>
-          <a:extLst>
-            <a:ext uri="{909E8E84-426E-40DD-AFC4-6F175D3DCCD1}">
-              <a14:hiddenFill xmlns:a14="http://schemas.microsoft.com/office/drawing/2010/main">
-                <a:solidFill>
-                  <a:srgbClr val="FFFFFF"/>
-                </a:solidFill>
-              </a14:hiddenFill>
-            </a:ext>
-          </a:extLst>
-        </p:spPr>
-      </p:pic>
-      <p:pic>
-        <p:nvPicPr>
           <p:cNvPr id="101" name="Picture 8" descr="Image result for carrot logo icon">
             <a:extLst>
               <a:ext uri="{FF2B5EF4-FFF2-40B4-BE49-F238E27FC236}">
@@ -8493,142 +8313,7 @@
         </p:blipFill>
         <p:spPr bwMode="auto">
           <a:xfrm>
-            <a:off x="11679277" y="123380"/>
-            <a:ext cx="237291" cy="482358"/>
-          </a:xfrm>
-          <a:prstGeom prst="rect">
-            <a:avLst/>
-          </a:prstGeom>
-          <a:noFill/>
-          <a:extLst>
-            <a:ext uri="{909E8E84-426E-40DD-AFC4-6F175D3DCCD1}">
-              <a14:hiddenFill xmlns:a14="http://schemas.microsoft.com/office/drawing/2010/main">
-                <a:solidFill>
-                  <a:srgbClr val="FFFFFF"/>
-                </a:solidFill>
-              </a14:hiddenFill>
-            </a:ext>
-          </a:extLst>
-        </p:spPr>
-      </p:pic>
-      <p:pic>
-        <p:nvPicPr>
-          <p:cNvPr id="107" name="Picture 8" descr="Image result for carrot logo icon">
-            <a:extLst>
-              <a:ext uri="{FF2B5EF4-FFF2-40B4-BE49-F238E27FC236}">
-                <a16:creationId xmlns:a16="http://schemas.microsoft.com/office/drawing/2014/main" id="{ECB8BD34-C2F4-438F-B1B9-ABE46B750132}"/>
-              </a:ext>
-            </a:extLst>
-          </p:cNvPr>
-          <p:cNvPicPr>
-            <a:picLocks noChangeAspect="1" noChangeArrowheads="1"/>
-          </p:cNvPicPr>
-          <p:nvPr/>
-        </p:nvPicPr>
-        <p:blipFill rotWithShape="1">
-          <a:blip r:embed="rId7">
-            <a:extLst>
-              <a:ext uri="{28A0092B-C50C-407E-A947-70E740481C1C}">
-                <a14:useLocalDpi xmlns:a14="http://schemas.microsoft.com/office/drawing/2010/main" val="0"/>
-              </a:ext>
-            </a:extLst>
-          </a:blip>
-          <a:srcRect l="25405" t="3758" r="29224" b="9989"/>
-          <a:stretch/>
-        </p:blipFill>
-        <p:spPr bwMode="auto">
-          <a:xfrm>
-            <a:off x="11655244" y="697383"/>
-            <a:ext cx="237291" cy="482358"/>
-          </a:xfrm>
-          <a:prstGeom prst="rect">
-            <a:avLst/>
-          </a:prstGeom>
-          <a:noFill/>
-          <a:extLst>
-            <a:ext uri="{909E8E84-426E-40DD-AFC4-6F175D3DCCD1}">
-              <a14:hiddenFill xmlns:a14="http://schemas.microsoft.com/office/drawing/2010/main">
-                <a:solidFill>
-                  <a:srgbClr val="FFFFFF"/>
-                </a:solidFill>
-              </a14:hiddenFill>
-            </a:ext>
-          </a:extLst>
-        </p:spPr>
-      </p:pic>
-      <p:pic>
-        <p:nvPicPr>
-          <p:cNvPr id="108" name="Picture 8" descr="Image result for carrot logo icon">
-            <a:extLst>
-              <a:ext uri="{FF2B5EF4-FFF2-40B4-BE49-F238E27FC236}">
-                <a16:creationId xmlns:a16="http://schemas.microsoft.com/office/drawing/2014/main" id="{58FDAF89-131E-4B79-9094-CF188F3D4F9F}"/>
-              </a:ext>
-            </a:extLst>
-          </p:cNvPr>
-          <p:cNvPicPr>
-            <a:picLocks noChangeAspect="1" noChangeArrowheads="1"/>
-          </p:cNvPicPr>
-          <p:nvPr/>
-        </p:nvPicPr>
-        <p:blipFill rotWithShape="1">
-          <a:blip r:embed="rId7">
-            <a:extLst>
-              <a:ext uri="{28A0092B-C50C-407E-A947-70E740481C1C}">
-                <a14:useLocalDpi xmlns:a14="http://schemas.microsoft.com/office/drawing/2010/main" val="0"/>
-              </a:ext>
-            </a:extLst>
-          </a:blip>
-          <a:srcRect l="25405" t="3758" r="29224" b="9989"/>
-          <a:stretch/>
-        </p:blipFill>
-        <p:spPr bwMode="auto">
-          <a:xfrm>
-            <a:off x="11679277" y="1280443"/>
-            <a:ext cx="237291" cy="482358"/>
-          </a:xfrm>
-          <a:prstGeom prst="rect">
-            <a:avLst/>
-          </a:prstGeom>
-          <a:noFill/>
-          <a:extLst>
-            <a:ext uri="{909E8E84-426E-40DD-AFC4-6F175D3DCCD1}">
-              <a14:hiddenFill xmlns:a14="http://schemas.microsoft.com/office/drawing/2010/main">
-                <a:solidFill>
-                  <a:srgbClr val="FFFFFF"/>
-                </a:solidFill>
-              </a14:hiddenFill>
-            </a:ext>
-          </a:extLst>
-        </p:spPr>
-      </p:pic>
-      <p:pic>
-        <p:nvPicPr>
-          <p:cNvPr id="109" name="Picture 8" descr="Image result for carrot logo icon">
-            <a:extLst>
-              <a:ext uri="{FF2B5EF4-FFF2-40B4-BE49-F238E27FC236}">
-                <a16:creationId xmlns:a16="http://schemas.microsoft.com/office/drawing/2014/main" id="{FEE2C783-1C49-4192-B13A-B9BD225D1C2A}"/>
-              </a:ext>
-            </a:extLst>
-          </p:cNvPr>
-          <p:cNvPicPr>
-            <a:picLocks noChangeAspect="1" noChangeArrowheads="1"/>
-          </p:cNvPicPr>
-          <p:nvPr/>
-        </p:nvPicPr>
-        <p:blipFill rotWithShape="1">
-          <a:blip r:embed="rId7">
-            <a:extLst>
-              <a:ext uri="{28A0092B-C50C-407E-A947-70E740481C1C}">
-                <a14:useLocalDpi xmlns:a14="http://schemas.microsoft.com/office/drawing/2010/main" val="0"/>
-              </a:ext>
-            </a:extLst>
-          </a:blip>
-          <a:srcRect l="25405" t="3758" r="29224" b="9989"/>
-          <a:stretch/>
-        </p:blipFill>
-        <p:spPr bwMode="auto">
-          <a:xfrm>
-            <a:off x="11655244" y="1854446"/>
+            <a:off x="11082004" y="676420"/>
             <a:ext cx="237291" cy="482358"/>
           </a:xfrm>
           <a:prstGeom prst="rect">
